--- a/英文單字書app.pptx
+++ b/英文單字書app.pptx
@@ -375,7 +375,7 @@
           <a:p>
             <a:fld id="{0EB634FF-D634-4F17-9AF2-BDF3BCC054D0}" type="datetimeFigureOut">
               <a:rPr lang="zh-TW" altLang="en-US" smtClean="0"/>
-              <a:t>2025/6/16</a:t>
+              <a:t>2025/6/17</a:t>
             </a:fld>
             <a:endParaRPr lang="zh-TW" altLang="en-US"/>
           </a:p>
@@ -583,7 +583,7 @@
           <a:p>
             <a:fld id="{0EB634FF-D634-4F17-9AF2-BDF3BCC054D0}" type="datetimeFigureOut">
               <a:rPr lang="zh-TW" altLang="en-US" smtClean="0"/>
-              <a:t>2025/6/16</a:t>
+              <a:t>2025/6/17</a:t>
             </a:fld>
             <a:endParaRPr lang="zh-TW" altLang="en-US"/>
           </a:p>
@@ -839,7 +839,7 @@
           <a:p>
             <a:fld id="{0EB634FF-D634-4F17-9AF2-BDF3BCC054D0}" type="datetimeFigureOut">
               <a:rPr lang="zh-TW" altLang="en-US" smtClean="0"/>
-              <a:t>2025/6/16</a:t>
+              <a:t>2025/6/17</a:t>
             </a:fld>
             <a:endParaRPr lang="zh-TW" altLang="en-US"/>
           </a:p>
@@ -1013,7 +1013,7 @@
           <a:p>
             <a:fld id="{0EB634FF-D634-4F17-9AF2-BDF3BCC054D0}" type="datetimeFigureOut">
               <a:rPr lang="zh-TW" altLang="en-US" smtClean="0"/>
-              <a:t>2025/6/16</a:t>
+              <a:t>2025/6/17</a:t>
             </a:fld>
             <a:endParaRPr lang="zh-TW" altLang="en-US"/>
           </a:p>
@@ -1356,7 +1356,7 @@
           <a:p>
             <a:fld id="{0EB634FF-D634-4F17-9AF2-BDF3BCC054D0}" type="datetimeFigureOut">
               <a:rPr lang="zh-TW" altLang="en-US" smtClean="0"/>
-              <a:t>2025/6/16</a:t>
+              <a:t>2025/6/17</a:t>
             </a:fld>
             <a:endParaRPr lang="zh-TW" altLang="en-US"/>
           </a:p>
@@ -1631,7 +1631,7 @@
           <a:p>
             <a:fld id="{0EB634FF-D634-4F17-9AF2-BDF3BCC054D0}" type="datetimeFigureOut">
               <a:rPr lang="zh-TW" altLang="en-US" smtClean="0"/>
-              <a:t>2025/6/16</a:t>
+              <a:t>2025/6/17</a:t>
             </a:fld>
             <a:endParaRPr lang="zh-TW" altLang="en-US"/>
           </a:p>
@@ -2010,7 +2010,7 @@
           <a:p>
             <a:fld id="{0EB634FF-D634-4F17-9AF2-BDF3BCC054D0}" type="datetimeFigureOut">
               <a:rPr lang="zh-TW" altLang="en-US" smtClean="0"/>
-              <a:t>2025/6/16</a:t>
+              <a:t>2025/6/17</a:t>
             </a:fld>
             <a:endParaRPr lang="zh-TW" altLang="en-US"/>
           </a:p>
@@ -2128,7 +2128,7 @@
           <a:p>
             <a:fld id="{0EB634FF-D634-4F17-9AF2-BDF3BCC054D0}" type="datetimeFigureOut">
               <a:rPr lang="zh-TW" altLang="en-US" smtClean="0"/>
-              <a:t>2025/6/16</a:t>
+              <a:t>2025/6/17</a:t>
             </a:fld>
             <a:endParaRPr lang="zh-TW" altLang="en-US"/>
           </a:p>
@@ -2299,7 +2299,7 @@
           <a:p>
             <a:fld id="{0EB634FF-D634-4F17-9AF2-BDF3BCC054D0}" type="datetimeFigureOut">
               <a:rPr lang="zh-TW" altLang="en-US" smtClean="0"/>
-              <a:t>2025/6/16</a:t>
+              <a:t>2025/6/17</a:t>
             </a:fld>
             <a:endParaRPr lang="zh-TW" altLang="en-US"/>
           </a:p>
@@ -2653,7 +2653,7 @@
           <a:p>
             <a:fld id="{0EB634FF-D634-4F17-9AF2-BDF3BCC054D0}" type="datetimeFigureOut">
               <a:rPr lang="zh-TW" altLang="en-US" smtClean="0"/>
-              <a:t>2025/6/16</a:t>
+              <a:t>2025/6/17</a:t>
             </a:fld>
             <a:endParaRPr lang="zh-TW" altLang="en-US"/>
           </a:p>
@@ -3035,7 +3035,7 @@
           <a:p>
             <a:fld id="{0EB634FF-D634-4F17-9AF2-BDF3BCC054D0}" type="datetimeFigureOut">
               <a:rPr lang="zh-TW" altLang="en-US" smtClean="0"/>
-              <a:t>2025/6/16</a:t>
+              <a:t>2025/6/17</a:t>
             </a:fld>
             <a:endParaRPr lang="zh-TW" altLang="en-US"/>
           </a:p>
@@ -3322,7 +3322,7 @@
           <a:p>
             <a:fld id="{0EB634FF-D634-4F17-9AF2-BDF3BCC054D0}" type="datetimeFigureOut">
               <a:rPr lang="zh-TW" altLang="en-US" smtClean="0"/>
-              <a:t>2025/6/16</a:t>
+              <a:t>2025/6/17</a:t>
             </a:fld>
             <a:endParaRPr lang="zh-TW" altLang="en-US"/>
           </a:p>
@@ -3862,7 +3862,12 @@
             <p:ph type="ctrTitle"/>
           </p:nvPr>
         </p:nvSpPr>
-        <p:spPr/>
+        <p:spPr>
+          <a:xfrm>
+            <a:off x="1097280" y="488271"/>
+            <a:ext cx="10058400" cy="1280071"/>
+          </a:xfrm>
+        </p:spPr>
         <p:txBody>
           <a:bodyPr/>
           <a:lstStyle/>
@@ -3896,12 +3901,29 @@
             <p:ph type="subTitle" idx="1"/>
           </p:nvPr>
         </p:nvSpPr>
-        <p:spPr/>
-        <p:txBody>
-          <a:bodyPr/>
+        <p:spPr>
+          <a:xfrm>
+            <a:off x="1159424" y="2999682"/>
+            <a:ext cx="10058400" cy="2415696"/>
+          </a:xfrm>
+        </p:spPr>
+        <p:txBody>
+          <a:bodyPr>
+            <a:normAutofit lnSpcReduction="10000"/>
+          </a:bodyPr>
           <a:lstStyle/>
           <a:p>
             <a:pPr algn="ctr"/>
+            <a:r>
+              <a:rPr lang="zh-TW" altLang="en-US" b="1" dirty="0">
+                <a:solidFill>
+                  <a:schemeClr val="tx1"/>
+                </a:solidFill>
+                <a:latin typeface="+mj-ea"/>
+                <a:ea typeface="+mj-ea"/>
+              </a:rPr>
+              <a:t>組員</a:t>
+            </a:r>
             <a:r>
               <a:rPr lang="en-US" altLang="zh-TW" b="1" dirty="0">
                 <a:solidFill>
@@ -3910,7 +3932,20 @@
                 <a:latin typeface="+mj-ea"/>
                 <a:ea typeface="+mj-ea"/>
               </a:rPr>
-              <a:t>	</a:t>
+              <a:t>:</a:t>
+            </a:r>
+          </a:p>
+          <a:p>
+            <a:pPr algn="ctr"/>
+            <a:r>
+              <a:rPr lang="en-US" altLang="zh-TW" b="1" dirty="0">
+                <a:solidFill>
+                  <a:schemeClr val="tx1"/>
+                </a:solidFill>
+                <a:latin typeface="+mj-ea"/>
+                <a:ea typeface="+mj-ea"/>
+              </a:rPr>
+              <a:t>B10170054</a:t>
             </a:r>
             <a:r>
               <a:rPr lang="zh-TW" altLang="en-US" b="1" dirty="0">
@@ -3920,7 +3955,20 @@
                 <a:latin typeface="+mj-ea"/>
                 <a:ea typeface="+mj-ea"/>
               </a:rPr>
-              <a:t>組員：</a:t>
+              <a:t>黃梓恩</a:t>
+            </a:r>
+          </a:p>
+          <a:p>
+            <a:pPr algn="ctr"/>
+            <a:r>
+              <a:rPr lang="zh-TW" altLang="en-US" b="1" dirty="0">
+                <a:solidFill>
+                  <a:schemeClr val="tx1"/>
+                </a:solidFill>
+                <a:latin typeface="+mj-ea"/>
+                <a:ea typeface="+mj-ea"/>
+              </a:rPr>
+              <a:t>程式碼</a:t>
             </a:r>
             <a:r>
               <a:rPr lang="en-US" altLang="zh-TW" b="1" dirty="0">
@@ -3930,7 +3978,7 @@
                 <a:latin typeface="+mj-ea"/>
                 <a:ea typeface="+mj-ea"/>
               </a:rPr>
-              <a:t>b10170054</a:t>
+              <a:t>50%,PPT</a:t>
             </a:r>
             <a:r>
               <a:rPr lang="zh-TW" altLang="en-US" b="1" dirty="0">
@@ -3940,18 +3988,8 @@
                 <a:latin typeface="+mj-ea"/>
                 <a:ea typeface="+mj-ea"/>
               </a:rPr>
-              <a:t>黃梓恩</a:t>
-            </a:r>
-            <a:endParaRPr lang="en-US" altLang="zh-TW" b="1" dirty="0">
-              <a:solidFill>
-                <a:schemeClr val="tx1"/>
-              </a:solidFill>
-              <a:latin typeface="+mj-ea"/>
-              <a:ea typeface="+mj-ea"/>
-            </a:endParaRPr>
-          </a:p>
-          <a:p>
-            <a:pPr algn="ctr"/>
+              <a:t>簡報</a:t>
+            </a:r>
             <a:r>
               <a:rPr lang="en-US" altLang="zh-TW" b="1" dirty="0">
                 <a:solidFill>
@@ -3960,7 +3998,20 @@
                 <a:latin typeface="+mj-ea"/>
                 <a:ea typeface="+mj-ea"/>
               </a:rPr>
-              <a:t>	</a:t>
+              <a:t>50%</a:t>
+            </a:r>
+          </a:p>
+          <a:p>
+            <a:pPr algn="ctr"/>
+            <a:r>
+              <a:rPr lang="en-US" altLang="zh-TW" b="1" dirty="0">
+                <a:solidFill>
+                  <a:schemeClr val="tx1"/>
+                </a:solidFill>
+                <a:latin typeface="+mj-ea"/>
+                <a:ea typeface="+mj-ea"/>
+              </a:rPr>
+              <a:t>B10170066</a:t>
             </a:r>
             <a:r>
               <a:rPr lang="zh-TW" altLang="en-US" b="1" dirty="0">
@@ -3970,7 +4021,20 @@
                 <a:latin typeface="+mj-ea"/>
                 <a:ea typeface="+mj-ea"/>
               </a:rPr>
-              <a:t> </a:t>
+              <a:t>黃冠博</a:t>
+            </a:r>
+          </a:p>
+          <a:p>
+            <a:pPr algn="ctr"/>
+            <a:r>
+              <a:rPr lang="zh-TW" altLang="en-US" b="1" dirty="0">
+                <a:solidFill>
+                  <a:schemeClr val="tx1"/>
+                </a:solidFill>
+                <a:latin typeface="+mj-ea"/>
+                <a:ea typeface="+mj-ea"/>
+              </a:rPr>
+              <a:t>程式碼</a:t>
             </a:r>
             <a:r>
               <a:rPr lang="en-US" altLang="zh-TW" b="1" dirty="0">
@@ -3980,7 +4044,7 @@
                 <a:latin typeface="+mj-ea"/>
                 <a:ea typeface="+mj-ea"/>
               </a:rPr>
-              <a:t>	</a:t>
+              <a:t>50%,PPT</a:t>
             </a:r>
             <a:r>
               <a:rPr lang="zh-TW" altLang="en-US" b="1" dirty="0">
@@ -3990,7 +4054,7 @@
                 <a:latin typeface="+mj-ea"/>
                 <a:ea typeface="+mj-ea"/>
               </a:rPr>
-              <a:t> </a:t>
+              <a:t>簡報</a:t>
             </a:r>
             <a:r>
               <a:rPr lang="en-US" altLang="zh-TW" b="1" dirty="0">
@@ -4000,17 +4064,7 @@
                 <a:latin typeface="+mj-ea"/>
                 <a:ea typeface="+mj-ea"/>
               </a:rPr>
-              <a:t>b10170066</a:t>
-            </a:r>
-            <a:r>
-              <a:rPr lang="zh-TW" altLang="en-US" b="1" dirty="0">
-                <a:solidFill>
-                  <a:schemeClr val="tx1"/>
-                </a:solidFill>
-                <a:latin typeface="+mj-ea"/>
-                <a:ea typeface="+mj-ea"/>
-              </a:rPr>
-              <a:t>黃冠博</a:t>
+              <a:t>50%</a:t>
             </a:r>
           </a:p>
         </p:txBody>
@@ -5014,9 +5068,36 @@
           </a:p>
           <a:p>
             <a:r>
-              <a:rPr lang="en-US" altLang="zh-TW" dirty="0"/>
-              <a:t>https://medium.com/%E5%BD%BC%E5%BE%97%E6%BD%98%E7%9A%84%E8%A9%A6%E7%85%89-%E5%8B%87%E8%80%85%E7%9A%84-100-%E9%81%93-swift-ios-app-%E8%AC%8E%E9%A1%8C/%E5%88%A9%E7%94%A8%E5%9C%8B%E4%B8%AD1200-%E5%92%8C%E9%AB%98%E4%B8%AD7000-%E7%9A%84%E8%8B%B1%E6%96%87%E5%96%AE%E5%AD%97-json-%E9%96%8B%E7%99%BC%E5%96%AE%E5%AD%97-app-bdeb3c87c087</a:t>
-            </a:r>
+              <a:rPr lang="en-US" altLang="zh-TW" u="sng" dirty="0">
+                <a:hlinkClick r:id="rId3"/>
+              </a:rPr>
+              <a:t>#192 利用國中1200 和高中7000 </a:t>
+            </a:r>
+            <a:r>
+              <a:rPr lang="en-US" altLang="zh-TW" u="sng" dirty="0" err="1">
+                <a:hlinkClick r:id="rId3"/>
+              </a:rPr>
+              <a:t>的英文單字</a:t>
+            </a:r>
+            <a:r>
+              <a:rPr lang="en-US" altLang="zh-TW" u="sng" dirty="0">
+                <a:hlinkClick r:id="rId3"/>
+              </a:rPr>
+              <a:t> JSON </a:t>
+            </a:r>
+            <a:r>
+              <a:rPr lang="en-US" altLang="zh-TW" u="sng" dirty="0" err="1">
+                <a:hlinkClick r:id="rId3"/>
+              </a:rPr>
+              <a:t>開發單字</a:t>
+            </a:r>
+            <a:r>
+              <a:rPr lang="en-US" altLang="zh-TW" u="sng" dirty="0">
+                <a:hlinkClick r:id="rId3"/>
+              </a:rPr>
+              <a:t> App</a:t>
+            </a:r>
+            <a:endParaRPr lang="zh-TW" altLang="zh-TW" dirty="0"/>
           </a:p>
           <a:p>
             <a:endParaRPr lang="zh-TW" altLang="en-US" dirty="0"/>
